--- a/Documentation/IMS-Project-Presentation-ByCharlesCairney.pptx
+++ b/Documentation/IMS-Project-Presentation-ByCharlesCairney.pptx
@@ -5,10 +5,10 @@
     <p:sldMasterId id="2147483666" r:id="rId4"/>
   </p:sldMasterIdLst>
   <p:notesMasterIdLst>
-    <p:notesMasterId r:id="rId20"/>
+    <p:notesMasterId r:id="rId21"/>
   </p:notesMasterIdLst>
   <p:handoutMasterIdLst>
-    <p:handoutMasterId r:id="rId21"/>
+    <p:handoutMasterId r:id="rId22"/>
   </p:handoutMasterIdLst>
   <p:sldIdLst>
     <p:sldId id="256" r:id="rId5"/>
@@ -25,7 +25,8 @@
     <p:sldId id="301" r:id="rId16"/>
     <p:sldId id="302" r:id="rId17"/>
     <p:sldId id="303" r:id="rId18"/>
-    <p:sldId id="276" r:id="rId19"/>
+    <p:sldId id="304" r:id="rId19"/>
+    <p:sldId id="276" r:id="rId20"/>
   </p:sldIdLst>
   <p:sldSz cx="12192000" cy="6858000"/>
   <p:notesSz cx="6858000" cy="9144000"/>
@@ -740,6 +741,12 @@
           <a:bodyPr/>
           <a:lstStyle/>
           <a:p>
+            <a:r>
+              <a:rPr lang="en-GB" dirty="0"/>
+              <a:t>Hello my name is Charles Cairney and welcome to my IMS project. Where we were tasked with building an inventory management system using Java and MySQL.</a:t>
+            </a:r>
+          </a:p>
+          <a:p>
             <a:endParaRPr lang="en-GB" dirty="0"/>
           </a:p>
         </p:txBody>
@@ -771,6 +778,730 @@
     <p:extLst>
       <p:ext uri="{BB962C8B-B14F-4D97-AF65-F5344CB8AC3E}">
         <p14:creationId xmlns:p14="http://schemas.microsoft.com/office/powerpoint/2010/main" val="3624631027"/>
+      </p:ext>
+    </p:extLst>
+  </p:cSld>
+  <p:clrMapOvr>
+    <a:masterClrMapping/>
+  </p:clrMapOvr>
+</p:notes>
+</file>
+
+<file path=ppt/notesSlides/notesSlide10.xml><?xml version="1.0" encoding="utf-8"?>
+<p:notes xmlns:a="http://schemas.openxmlformats.org/drawingml/2006/main" xmlns:r="http://schemas.openxmlformats.org/officeDocument/2006/relationships" xmlns:p="http://schemas.openxmlformats.org/presentationml/2006/main">
+  <p:cSld>
+    <p:spTree>
+      <p:nvGrpSpPr>
+        <p:cNvPr id="1" name=""/>
+        <p:cNvGrpSpPr/>
+        <p:nvPr/>
+      </p:nvGrpSpPr>
+      <p:grpSpPr>
+        <a:xfrm>
+          <a:off x="0" y="0"/>
+          <a:ext cx="0" cy="0"/>
+          <a:chOff x="0" y="0"/>
+          <a:chExt cx="0" cy="0"/>
+        </a:xfrm>
+      </p:grpSpPr>
+      <p:sp>
+        <p:nvSpPr>
+          <p:cNvPr id="2" name="Slide Image Placeholder 1"/>
+          <p:cNvSpPr>
+            <a:spLocks noGrp="1" noRot="1" noChangeAspect="1"/>
+          </p:cNvSpPr>
+          <p:nvPr>
+            <p:ph type="sldImg"/>
+          </p:nvPr>
+        </p:nvSpPr>
+        <p:spPr/>
+      </p:sp>
+      <p:sp>
+        <p:nvSpPr>
+          <p:cNvPr id="3" name="Notes Placeholder 2"/>
+          <p:cNvSpPr>
+            <a:spLocks noGrp="1"/>
+          </p:cNvSpPr>
+          <p:nvPr>
+            <p:ph type="body" idx="1"/>
+          </p:nvPr>
+        </p:nvSpPr>
+        <p:spPr/>
+        <p:txBody>
+          <a:bodyPr/>
+          <a:lstStyle/>
+          <a:p>
+            <a:r>
+              <a:rPr lang="en-GB" dirty="0"/>
+              <a:t>Here I used Unit testing using the dependency Junit, which a link for can be found in the ReadMe. The only issue with the unit testing, was with the setters as you had to initially use the set method and check the completion using the get method in the </a:t>
+            </a:r>
+            <a:r>
+              <a:rPr lang="en-GB" dirty="0" err="1"/>
+              <a:t>assertEquals</a:t>
+            </a:r>
+            <a:r>
+              <a:rPr lang="en-GB" dirty="0"/>
+              <a:t>. If I could have improved the testing in this segment it would be by setting up a @Before and @After to generate the base customer so it didn’t have to instantiated every test and the @After would delete the customer, saving time and memory.</a:t>
+            </a:r>
+          </a:p>
+        </p:txBody>
+      </p:sp>
+      <p:sp>
+        <p:nvSpPr>
+          <p:cNvPr id="4" name="Slide Number Placeholder 3"/>
+          <p:cNvSpPr>
+            <a:spLocks noGrp="1"/>
+          </p:cNvSpPr>
+          <p:nvPr>
+            <p:ph type="sldNum" sz="quarter" idx="5"/>
+          </p:nvPr>
+        </p:nvSpPr>
+        <p:spPr/>
+        <p:txBody>
+          <a:bodyPr/>
+          <a:lstStyle/>
+          <a:p>
+            <a:fld id="{D4B9A9E5-4F7F-4A7D-9DE1-899232329269}" type="slidenum">
+              <a:rPr lang="en-US" smtClean="0"/>
+              <a:t>10</a:t>
+            </a:fld>
+            <a:endParaRPr lang="en-US" dirty="0"/>
+          </a:p>
+        </p:txBody>
+      </p:sp>
+    </p:spTree>
+    <p:extLst>
+      <p:ext uri="{BB962C8B-B14F-4D97-AF65-F5344CB8AC3E}">
+        <p14:creationId xmlns:p14="http://schemas.microsoft.com/office/powerpoint/2010/main" val="4258283895"/>
+      </p:ext>
+    </p:extLst>
+  </p:cSld>
+  <p:clrMapOvr>
+    <a:masterClrMapping/>
+  </p:clrMapOvr>
+</p:notes>
+</file>
+
+<file path=ppt/notesSlides/notesSlide11.xml><?xml version="1.0" encoding="utf-8"?>
+<p:notes xmlns:a="http://schemas.openxmlformats.org/drawingml/2006/main" xmlns:r="http://schemas.openxmlformats.org/officeDocument/2006/relationships" xmlns:p="http://schemas.openxmlformats.org/presentationml/2006/main">
+  <p:cSld>
+    <p:spTree>
+      <p:nvGrpSpPr>
+        <p:cNvPr id="1" name=""/>
+        <p:cNvGrpSpPr/>
+        <p:nvPr/>
+      </p:nvGrpSpPr>
+      <p:grpSpPr>
+        <a:xfrm>
+          <a:off x="0" y="0"/>
+          <a:ext cx="0" cy="0"/>
+          <a:chOff x="0" y="0"/>
+          <a:chExt cx="0" cy="0"/>
+        </a:xfrm>
+      </p:grpSpPr>
+      <p:sp>
+        <p:nvSpPr>
+          <p:cNvPr id="2" name="Slide Image Placeholder 1"/>
+          <p:cNvSpPr>
+            <a:spLocks noGrp="1" noRot="1" noChangeAspect="1"/>
+          </p:cNvSpPr>
+          <p:nvPr>
+            <p:ph type="sldImg"/>
+          </p:nvPr>
+        </p:nvSpPr>
+        <p:spPr/>
+      </p:sp>
+      <p:sp>
+        <p:nvSpPr>
+          <p:cNvPr id="3" name="Notes Placeholder 2"/>
+          <p:cNvSpPr>
+            <a:spLocks noGrp="1"/>
+          </p:cNvSpPr>
+          <p:nvPr>
+            <p:ph type="body" idx="1"/>
+          </p:nvPr>
+        </p:nvSpPr>
+        <p:spPr/>
+        <p:txBody>
+          <a:bodyPr/>
+          <a:lstStyle/>
+          <a:p>
+            <a:r>
+              <a:rPr lang="en-GB" dirty="0"/>
+              <a:t>Here we have screenshots of the Data access objects for customer, items and orders. Here the CRUD functionality was easy to implement for customer/items as all you have to do was firstly gain connection to the database in use, through the implementation of your access username/password found in the </a:t>
+            </a:r>
+            <a:r>
+              <a:rPr lang="en-GB" dirty="0" err="1"/>
+              <a:t>Dbproperties</a:t>
+            </a:r>
+            <a:r>
+              <a:rPr lang="en-GB" dirty="0"/>
+              <a:t> tab where the SQL-schema is also found, the SQL-schema is used for DB &amp; table generation which ensures correct formation for new users.</a:t>
+            </a:r>
+          </a:p>
+          <a:p>
+            <a:r>
+              <a:rPr lang="en-GB" dirty="0"/>
+              <a:t>Assuming connection was a success for each CRUD functionality a JDBC prepare statement object is used. The statement is a string formatted in a MySQL query order. With ? For the areas in which you want to input Java code specific information like </a:t>
+            </a:r>
+            <a:r>
+              <a:rPr lang="en-GB" dirty="0" err="1"/>
+              <a:t>orderId</a:t>
+            </a:r>
+            <a:r>
+              <a:rPr lang="en-GB" dirty="0"/>
+              <a:t> or </a:t>
+            </a:r>
+            <a:r>
+              <a:rPr lang="en-GB" dirty="0" err="1"/>
+              <a:t>itemName</a:t>
+            </a:r>
+            <a:r>
+              <a:rPr lang="en-GB" dirty="0"/>
+              <a:t> so the final end user can send information to the Database from the command Line. For example, the </a:t>
+            </a:r>
+            <a:r>
+              <a:rPr lang="en-GB" dirty="0" err="1"/>
+              <a:t>statement.setString</a:t>
+            </a:r>
+            <a:r>
+              <a:rPr lang="en-GB" dirty="0"/>
+              <a:t>(1, “</a:t>
+            </a:r>
+            <a:r>
+              <a:rPr lang="en-GB" dirty="0" err="1"/>
+              <a:t>kevin</a:t>
+            </a:r>
+            <a:r>
+              <a:rPr lang="en-GB" dirty="0"/>
+              <a:t>”) would replace the first instance of ? With Kevin and so on. If the statement is a success it returns the result process through the </a:t>
+            </a:r>
+            <a:r>
+              <a:rPr lang="en-GB" dirty="0" err="1"/>
+              <a:t>ModelFromResultSet</a:t>
+            </a:r>
+            <a:r>
+              <a:rPr lang="en-GB" dirty="0"/>
+              <a:t> which converts the MySQL query result back into it respective java code kind of going in reverse of the first </a:t>
+            </a:r>
+            <a:r>
+              <a:rPr lang="en-GB" dirty="0" err="1"/>
+              <a:t>preparedstatement</a:t>
+            </a:r>
+            <a:r>
+              <a:rPr lang="en-GB" dirty="0"/>
+              <a:t> to ensure a two way conversation with each other.</a:t>
+            </a:r>
+          </a:p>
+        </p:txBody>
+      </p:sp>
+      <p:sp>
+        <p:nvSpPr>
+          <p:cNvPr id="4" name="Slide Number Placeholder 3"/>
+          <p:cNvSpPr>
+            <a:spLocks noGrp="1"/>
+          </p:cNvSpPr>
+          <p:nvPr>
+            <p:ph type="sldNum" sz="quarter" idx="5"/>
+          </p:nvPr>
+        </p:nvSpPr>
+        <p:spPr/>
+        <p:txBody>
+          <a:bodyPr/>
+          <a:lstStyle/>
+          <a:p>
+            <a:fld id="{D4B9A9E5-4F7F-4A7D-9DE1-899232329269}" type="slidenum">
+              <a:rPr lang="en-US" smtClean="0"/>
+              <a:t>11</a:t>
+            </a:fld>
+            <a:endParaRPr lang="en-US" dirty="0"/>
+          </a:p>
+        </p:txBody>
+      </p:sp>
+    </p:spTree>
+    <p:extLst>
+      <p:ext uri="{BB962C8B-B14F-4D97-AF65-F5344CB8AC3E}">
+        <p14:creationId xmlns:p14="http://schemas.microsoft.com/office/powerpoint/2010/main" val="96613791"/>
+      </p:ext>
+    </p:extLst>
+  </p:cSld>
+  <p:clrMapOvr>
+    <a:masterClrMapping/>
+  </p:clrMapOvr>
+</p:notes>
+</file>
+
+<file path=ppt/notesSlides/notesSlide12.xml><?xml version="1.0" encoding="utf-8"?>
+<p:notes xmlns:a="http://schemas.openxmlformats.org/drawingml/2006/main" xmlns:r="http://schemas.openxmlformats.org/officeDocument/2006/relationships" xmlns:p="http://schemas.openxmlformats.org/presentationml/2006/main">
+  <p:cSld>
+    <p:spTree>
+      <p:nvGrpSpPr>
+        <p:cNvPr id="1" name=""/>
+        <p:cNvGrpSpPr/>
+        <p:nvPr/>
+      </p:nvGrpSpPr>
+      <p:grpSpPr>
+        <a:xfrm>
+          <a:off x="0" y="0"/>
+          <a:ext cx="0" cy="0"/>
+          <a:chOff x="0" y="0"/>
+          <a:chExt cx="0" cy="0"/>
+        </a:xfrm>
+      </p:grpSpPr>
+      <p:sp>
+        <p:nvSpPr>
+          <p:cNvPr id="2" name="Slide Image Placeholder 1"/>
+          <p:cNvSpPr>
+            <a:spLocks noGrp="1" noRot="1" noChangeAspect="1"/>
+          </p:cNvSpPr>
+          <p:nvPr>
+            <p:ph type="sldImg"/>
+          </p:nvPr>
+        </p:nvSpPr>
+        <p:spPr/>
+      </p:sp>
+      <p:sp>
+        <p:nvSpPr>
+          <p:cNvPr id="3" name="Notes Placeholder 2"/>
+          <p:cNvSpPr>
+            <a:spLocks noGrp="1"/>
+          </p:cNvSpPr>
+          <p:nvPr>
+            <p:ph type="body" idx="1"/>
+          </p:nvPr>
+        </p:nvSpPr>
+        <p:spPr/>
+        <p:txBody>
+          <a:bodyPr/>
+          <a:lstStyle/>
+          <a:p>
+            <a:r>
+              <a:rPr lang="en-GB" dirty="0"/>
+              <a:t>For my testing here I created a local </a:t>
+            </a:r>
+            <a:r>
+              <a:rPr lang="en-GB" dirty="0" err="1"/>
+              <a:t>testIMS</a:t>
+            </a:r>
+            <a:r>
+              <a:rPr lang="en-GB" dirty="0"/>
+              <a:t> database to contain test data that could be </a:t>
+            </a:r>
+            <a:r>
+              <a:rPr lang="en-GB" dirty="0" err="1"/>
+              <a:t>controled</a:t>
+            </a:r>
+            <a:r>
+              <a:rPr lang="en-GB" dirty="0"/>
+              <a:t> for the test environment. A new test schema with </a:t>
+            </a:r>
+            <a:r>
+              <a:rPr lang="en-GB" dirty="0" err="1"/>
+              <a:t>tIMS</a:t>
+            </a:r>
+            <a:r>
+              <a:rPr lang="en-GB" dirty="0"/>
+              <a:t> database creation was also added in the test resources. This was effective, but also during the DAO testing, I experienced the most of my difficulties. The first issue was after running the tests here the second attempt would always fail. This problem was fixed after awhile by creating @Before and @After test requirements that would add customers, items and orders to the DB and then remove when finished therefore allow repeatability in testing.</a:t>
+            </a:r>
+          </a:p>
+        </p:txBody>
+      </p:sp>
+      <p:sp>
+        <p:nvSpPr>
+          <p:cNvPr id="4" name="Slide Number Placeholder 3"/>
+          <p:cNvSpPr>
+            <a:spLocks noGrp="1"/>
+          </p:cNvSpPr>
+          <p:nvPr>
+            <p:ph type="sldNum" sz="quarter" idx="5"/>
+          </p:nvPr>
+        </p:nvSpPr>
+        <p:spPr/>
+        <p:txBody>
+          <a:bodyPr/>
+          <a:lstStyle/>
+          <a:p>
+            <a:fld id="{D4B9A9E5-4F7F-4A7D-9DE1-899232329269}" type="slidenum">
+              <a:rPr lang="en-US" smtClean="0"/>
+              <a:t>12</a:t>
+            </a:fld>
+            <a:endParaRPr lang="en-US" dirty="0"/>
+          </a:p>
+        </p:txBody>
+      </p:sp>
+    </p:spTree>
+    <p:extLst>
+      <p:ext uri="{BB962C8B-B14F-4D97-AF65-F5344CB8AC3E}">
+        <p14:creationId xmlns:p14="http://schemas.microsoft.com/office/powerpoint/2010/main" val="512260083"/>
+      </p:ext>
+    </p:extLst>
+  </p:cSld>
+  <p:clrMapOvr>
+    <a:masterClrMapping/>
+  </p:clrMapOvr>
+</p:notes>
+</file>
+
+<file path=ppt/notesSlides/notesSlide13.xml><?xml version="1.0" encoding="utf-8"?>
+<p:notes xmlns:a="http://schemas.openxmlformats.org/drawingml/2006/main" xmlns:r="http://schemas.openxmlformats.org/officeDocument/2006/relationships" xmlns:p="http://schemas.openxmlformats.org/presentationml/2006/main">
+  <p:cSld>
+    <p:spTree>
+      <p:nvGrpSpPr>
+        <p:cNvPr id="1" name=""/>
+        <p:cNvGrpSpPr/>
+        <p:nvPr/>
+      </p:nvGrpSpPr>
+      <p:grpSpPr>
+        <a:xfrm>
+          <a:off x="0" y="0"/>
+          <a:ext cx="0" cy="0"/>
+          <a:chOff x="0" y="0"/>
+          <a:chExt cx="0" cy="0"/>
+        </a:xfrm>
+      </p:grpSpPr>
+      <p:sp>
+        <p:nvSpPr>
+          <p:cNvPr id="2" name="Slide Image Placeholder 1"/>
+          <p:cNvSpPr>
+            <a:spLocks noGrp="1" noRot="1" noChangeAspect="1"/>
+          </p:cNvSpPr>
+          <p:nvPr>
+            <p:ph type="sldImg"/>
+          </p:nvPr>
+        </p:nvSpPr>
+        <p:spPr/>
+      </p:sp>
+      <p:sp>
+        <p:nvSpPr>
+          <p:cNvPr id="3" name="Notes Placeholder 2"/>
+          <p:cNvSpPr>
+            <a:spLocks noGrp="1"/>
+          </p:cNvSpPr>
+          <p:nvPr>
+            <p:ph type="body" idx="1"/>
+          </p:nvPr>
+        </p:nvSpPr>
+        <p:spPr/>
+        <p:txBody>
+          <a:bodyPr/>
+          <a:lstStyle/>
+          <a:p>
+            <a:r>
+              <a:rPr lang="en-GB" dirty="0"/>
+              <a:t>Finally I created a controller for each customer, items and orders. The Item controller was created directly with the customer controller as they both contained the same options for the user to pick from Create, Read, update and delete with variations of read like (</a:t>
+            </a:r>
+            <a:r>
+              <a:rPr lang="en-GB" dirty="0" err="1"/>
+              <a:t>readLatest</a:t>
+            </a:r>
+            <a:r>
+              <a:rPr lang="en-GB" dirty="0"/>
+              <a:t>/</a:t>
+            </a:r>
+            <a:r>
+              <a:rPr lang="en-GB" dirty="0" err="1"/>
+              <a:t>readRecent</a:t>
+            </a:r>
+            <a:r>
+              <a:rPr lang="en-GB" dirty="0"/>
+              <a:t> and </a:t>
+            </a:r>
+            <a:r>
+              <a:rPr lang="en-GB" dirty="0" err="1"/>
+              <a:t>readAll</a:t>
+            </a:r>
+            <a:r>
+              <a:rPr lang="en-GB" dirty="0"/>
+              <a:t>) which were implemented to serve as a function for the other options where required, for example my create method required the use of displaying only the customer it just created therefore it used </a:t>
+            </a:r>
+            <a:r>
+              <a:rPr lang="en-GB" dirty="0" err="1"/>
+              <a:t>readlatest</a:t>
+            </a:r>
+            <a:r>
+              <a:rPr lang="en-GB" dirty="0"/>
+              <a:t> which used my </a:t>
+            </a:r>
+            <a:r>
+              <a:rPr lang="en-GB" dirty="0" err="1"/>
+              <a:t>sql</a:t>
+            </a:r>
+            <a:r>
+              <a:rPr lang="en-GB" dirty="0"/>
+              <a:t> queries special parameter of LIMIT 1 DESC.</a:t>
+            </a:r>
+          </a:p>
+          <a:p>
+            <a:r>
+              <a:rPr lang="en-GB" dirty="0"/>
+              <a:t>Order functionality was a little more advanced as it required Add_item, </a:t>
+            </a:r>
+            <a:r>
+              <a:rPr lang="en-GB" dirty="0" err="1"/>
+              <a:t>Delete_item</a:t>
+            </a:r>
+            <a:r>
+              <a:rPr lang="en-GB" dirty="0"/>
+              <a:t> and Cost. </a:t>
+            </a:r>
+          </a:p>
+          <a:p>
+            <a:r>
+              <a:rPr lang="en-GB" dirty="0"/>
+              <a:t>This created an issue of the original Action </a:t>
+            </a:r>
+            <a:r>
+              <a:rPr lang="en-GB" dirty="0" err="1"/>
+              <a:t>enum</a:t>
+            </a:r>
+            <a:r>
+              <a:rPr lang="en-GB" dirty="0"/>
+              <a:t> not being acceptable so a new </a:t>
+            </a:r>
+            <a:r>
+              <a:rPr lang="en-GB" dirty="0" err="1"/>
+              <a:t>OrderAction</a:t>
+            </a:r>
+            <a:r>
+              <a:rPr lang="en-GB" dirty="0"/>
+              <a:t> </a:t>
+            </a:r>
+            <a:r>
+              <a:rPr lang="en-GB" dirty="0" err="1"/>
+              <a:t>enum</a:t>
+            </a:r>
+            <a:r>
+              <a:rPr lang="en-GB" dirty="0"/>
+              <a:t> was generated in the same way but with the added functions. Also the IMS was altered with an IF statement when the ORDER domain was selected to instead activate the new </a:t>
+            </a:r>
+            <a:r>
+              <a:rPr lang="en-GB" dirty="0" err="1"/>
+              <a:t>OrderAction</a:t>
+            </a:r>
+            <a:r>
+              <a:rPr lang="en-GB" dirty="0"/>
+              <a:t> instead of original Action </a:t>
+            </a:r>
+            <a:r>
+              <a:rPr lang="en-GB" dirty="0" err="1"/>
+              <a:t>enum</a:t>
+            </a:r>
+            <a:r>
+              <a:rPr lang="en-GB" dirty="0"/>
+              <a:t>.</a:t>
+            </a:r>
+          </a:p>
+        </p:txBody>
+      </p:sp>
+      <p:sp>
+        <p:nvSpPr>
+          <p:cNvPr id="4" name="Slide Number Placeholder 3"/>
+          <p:cNvSpPr>
+            <a:spLocks noGrp="1"/>
+          </p:cNvSpPr>
+          <p:nvPr>
+            <p:ph type="sldNum" sz="quarter" idx="5"/>
+          </p:nvPr>
+        </p:nvSpPr>
+        <p:spPr/>
+        <p:txBody>
+          <a:bodyPr/>
+          <a:lstStyle/>
+          <a:p>
+            <a:fld id="{D4B9A9E5-4F7F-4A7D-9DE1-899232329269}" type="slidenum">
+              <a:rPr lang="en-US" smtClean="0"/>
+              <a:t>13</a:t>
+            </a:fld>
+            <a:endParaRPr lang="en-US" dirty="0"/>
+          </a:p>
+        </p:txBody>
+      </p:sp>
+    </p:spTree>
+    <p:extLst>
+      <p:ext uri="{BB962C8B-B14F-4D97-AF65-F5344CB8AC3E}">
+        <p14:creationId xmlns:p14="http://schemas.microsoft.com/office/powerpoint/2010/main" val="225885217"/>
+      </p:ext>
+    </p:extLst>
+  </p:cSld>
+  <p:clrMapOvr>
+    <a:masterClrMapping/>
+  </p:clrMapOvr>
+</p:notes>
+</file>
+
+<file path=ppt/notesSlides/notesSlide14.xml><?xml version="1.0" encoding="utf-8"?>
+<p:notes xmlns:a="http://schemas.openxmlformats.org/drawingml/2006/main" xmlns:r="http://schemas.openxmlformats.org/officeDocument/2006/relationships" xmlns:p="http://schemas.openxmlformats.org/presentationml/2006/main">
+  <p:cSld>
+    <p:spTree>
+      <p:nvGrpSpPr>
+        <p:cNvPr id="1" name=""/>
+        <p:cNvGrpSpPr/>
+        <p:nvPr/>
+      </p:nvGrpSpPr>
+      <p:grpSpPr>
+        <a:xfrm>
+          <a:off x="0" y="0"/>
+          <a:ext cx="0" cy="0"/>
+          <a:chOff x="0" y="0"/>
+          <a:chExt cx="0" cy="0"/>
+        </a:xfrm>
+      </p:grpSpPr>
+      <p:sp>
+        <p:nvSpPr>
+          <p:cNvPr id="2" name="Slide Image Placeholder 1"/>
+          <p:cNvSpPr>
+            <a:spLocks noGrp="1" noRot="1" noChangeAspect="1"/>
+          </p:cNvSpPr>
+          <p:nvPr>
+            <p:ph type="sldImg"/>
+          </p:nvPr>
+        </p:nvSpPr>
+        <p:spPr/>
+      </p:sp>
+      <p:sp>
+        <p:nvSpPr>
+          <p:cNvPr id="3" name="Notes Placeholder 2"/>
+          <p:cNvSpPr>
+            <a:spLocks noGrp="1"/>
+          </p:cNvSpPr>
+          <p:nvPr>
+            <p:ph type="body" idx="1"/>
+          </p:nvPr>
+        </p:nvSpPr>
+        <p:spPr/>
+        <p:txBody>
+          <a:bodyPr/>
+          <a:lstStyle/>
+          <a:p>
+            <a:r>
+              <a:rPr lang="en-GB" dirty="0"/>
+              <a:t>For the controllers I used Integration testing with the use of Mockito which a link for can be found in the ReadMe, integration testing was used as these controller implemented many modules of the program and could not be logically isolated therefore Mockito was able to call and simulate the DAO return function which works hand in hand with the </a:t>
+            </a:r>
+            <a:r>
+              <a:rPr lang="en-GB" dirty="0" err="1"/>
+              <a:t>assertEquals</a:t>
+            </a:r>
+            <a:r>
+              <a:rPr lang="en-GB" dirty="0"/>
+              <a:t> from Junit.</a:t>
+            </a:r>
+          </a:p>
+        </p:txBody>
+      </p:sp>
+      <p:sp>
+        <p:nvSpPr>
+          <p:cNvPr id="4" name="Slide Number Placeholder 3"/>
+          <p:cNvSpPr>
+            <a:spLocks noGrp="1"/>
+          </p:cNvSpPr>
+          <p:nvPr>
+            <p:ph type="sldNum" sz="quarter" idx="5"/>
+          </p:nvPr>
+        </p:nvSpPr>
+        <p:spPr/>
+        <p:txBody>
+          <a:bodyPr/>
+          <a:lstStyle/>
+          <a:p>
+            <a:fld id="{D4B9A9E5-4F7F-4A7D-9DE1-899232329269}" type="slidenum">
+              <a:rPr lang="en-US" smtClean="0"/>
+              <a:t>14</a:t>
+            </a:fld>
+            <a:endParaRPr lang="en-US" dirty="0"/>
+          </a:p>
+        </p:txBody>
+      </p:sp>
+    </p:spTree>
+    <p:extLst>
+      <p:ext uri="{BB962C8B-B14F-4D97-AF65-F5344CB8AC3E}">
+        <p14:creationId xmlns:p14="http://schemas.microsoft.com/office/powerpoint/2010/main" val="784096323"/>
+      </p:ext>
+    </p:extLst>
+  </p:cSld>
+  <p:clrMapOvr>
+    <a:masterClrMapping/>
+  </p:clrMapOvr>
+</p:notes>
+</file>
+
+<file path=ppt/notesSlides/notesSlide15.xml><?xml version="1.0" encoding="utf-8"?>
+<p:notes xmlns:a="http://schemas.openxmlformats.org/drawingml/2006/main" xmlns:r="http://schemas.openxmlformats.org/officeDocument/2006/relationships" xmlns:p="http://schemas.openxmlformats.org/presentationml/2006/main">
+  <p:cSld>
+    <p:spTree>
+      <p:nvGrpSpPr>
+        <p:cNvPr id="1" name=""/>
+        <p:cNvGrpSpPr/>
+        <p:nvPr/>
+      </p:nvGrpSpPr>
+      <p:grpSpPr>
+        <a:xfrm>
+          <a:off x="0" y="0"/>
+          <a:ext cx="0" cy="0"/>
+          <a:chOff x="0" y="0"/>
+          <a:chExt cx="0" cy="0"/>
+        </a:xfrm>
+      </p:grpSpPr>
+      <p:sp>
+        <p:nvSpPr>
+          <p:cNvPr id="2" name="Slide Image Placeholder 1"/>
+          <p:cNvSpPr>
+            <a:spLocks noGrp="1" noRot="1" noChangeAspect="1"/>
+          </p:cNvSpPr>
+          <p:nvPr>
+            <p:ph type="sldImg"/>
+          </p:nvPr>
+        </p:nvSpPr>
+        <p:spPr/>
+      </p:sp>
+      <p:sp>
+        <p:nvSpPr>
+          <p:cNvPr id="3" name="Notes Placeholder 2"/>
+          <p:cNvSpPr>
+            <a:spLocks noGrp="1"/>
+          </p:cNvSpPr>
+          <p:nvPr>
+            <p:ph type="body" idx="1"/>
+          </p:nvPr>
+        </p:nvSpPr>
+        <p:spPr/>
+        <p:txBody>
+          <a:bodyPr/>
+          <a:lstStyle/>
+          <a:p>
+            <a:r>
+              <a:rPr lang="en-GB" dirty="0"/>
+              <a:t>Here is the full feature branch model after merge into master due to the complete build meeting the project requirements creating a MVP with a testing coverage of 74%.</a:t>
+            </a:r>
+          </a:p>
+        </p:txBody>
+      </p:sp>
+      <p:sp>
+        <p:nvSpPr>
+          <p:cNvPr id="4" name="Slide Number Placeholder 3"/>
+          <p:cNvSpPr>
+            <a:spLocks noGrp="1"/>
+          </p:cNvSpPr>
+          <p:nvPr>
+            <p:ph type="sldNum" sz="quarter" idx="5"/>
+          </p:nvPr>
+        </p:nvSpPr>
+        <p:spPr/>
+        <p:txBody>
+          <a:bodyPr/>
+          <a:lstStyle/>
+          <a:p>
+            <a:fld id="{D4B9A9E5-4F7F-4A7D-9DE1-899232329269}" type="slidenum">
+              <a:rPr lang="en-US" smtClean="0"/>
+              <a:t>15</a:t>
+            </a:fld>
+            <a:endParaRPr lang="en-US" dirty="0"/>
+          </a:p>
+        </p:txBody>
+      </p:sp>
+    </p:spTree>
+    <p:extLst>
+      <p:ext uri="{BB962C8B-B14F-4D97-AF65-F5344CB8AC3E}">
+        <p14:creationId xmlns:p14="http://schemas.microsoft.com/office/powerpoint/2010/main" val="1219873095"/>
       </p:ext>
     </p:extLst>
   </p:cSld>
@@ -824,7 +1555,16 @@
           <a:bodyPr/>
           <a:lstStyle/>
           <a:p>
-            <a:endParaRPr lang="en-GB" dirty="0"/>
+            <a:r>
+              <a:rPr lang="en-GB" dirty="0"/>
+              <a:t>Read About Us.</a:t>
+            </a:r>
+          </a:p>
+          <a:p>
+            <a:r>
+              <a:rPr lang="en-GB" dirty="0"/>
+              <a:t>Read Requirements</a:t>
+            </a:r>
           </a:p>
         </p:txBody>
       </p:sp>
@@ -845,7 +1585,7 @@
           <a:p>
             <a:fld id="{D4B9A9E5-4F7F-4A7D-9DE1-899232329269}" type="slidenum">
               <a:rPr lang="en-US" smtClean="0"/>
-              <a:t>9</a:t>
+              <a:t>2</a:t>
             </a:fld>
             <a:endParaRPr lang="en-US" dirty="0"/>
           </a:p>
@@ -854,7 +1594,7 @@
     </p:spTree>
     <p:extLst>
       <p:ext uri="{BB962C8B-B14F-4D97-AF65-F5344CB8AC3E}">
-        <p14:creationId xmlns:p14="http://schemas.microsoft.com/office/powerpoint/2010/main" val="420529788"/>
+        <p14:creationId xmlns:p14="http://schemas.microsoft.com/office/powerpoint/2010/main" val="2293767896"/>
       </p:ext>
     </p:extLst>
   </p:cSld>
@@ -908,7 +1648,49 @@
           <a:bodyPr/>
           <a:lstStyle/>
           <a:p>
+            <a:r>
+              <a:rPr lang="en-GB" dirty="0"/>
+              <a:t>First step in the product was to generate a risk assessment.</a:t>
+            </a:r>
+          </a:p>
+          <a:p>
+            <a:r>
+              <a:rPr lang="en-GB" dirty="0"/>
+              <a:t>A risk assessment is created to mitigate damage they could cause.</a:t>
+            </a:r>
+          </a:p>
+          <a:p>
+            <a:r>
+              <a:rPr lang="en-GB" dirty="0"/>
+              <a:t>In a risk assessment you IDENTIFY risks, ASSESS the probability and IMPACT, And PLAN counter measures to stop these every becoming true. Also helps identify all areas to monitor throughout the project.</a:t>
+            </a:r>
+          </a:p>
+          <a:p>
             <a:endParaRPr lang="en-GB" dirty="0"/>
+          </a:p>
+          <a:p>
+            <a:r>
+              <a:rPr lang="en-GB" dirty="0"/>
+              <a:t>READ ALL RISKS</a:t>
+            </a:r>
+          </a:p>
+          <a:p>
+            <a:endParaRPr lang="en-GB" dirty="0"/>
+          </a:p>
+          <a:p>
+            <a:r>
+              <a:rPr lang="en-GB" dirty="0"/>
+              <a:t>4 is the worst due to post pandemic, current high temperatures and elderly family.</a:t>
+            </a:r>
+          </a:p>
+          <a:p>
+            <a:endParaRPr lang="en-GB" dirty="0"/>
+          </a:p>
+          <a:p>
+            <a:r>
+              <a:rPr lang="en-GB" dirty="0"/>
+              <a:t>READ RISKS FULLY AND EXPLAIN MATRIX</a:t>
+            </a:r>
           </a:p>
         </p:txBody>
       </p:sp>
@@ -929,7 +1711,7 @@
           <a:p>
             <a:fld id="{D4B9A9E5-4F7F-4A7D-9DE1-899232329269}" type="slidenum">
               <a:rPr lang="en-US" smtClean="0"/>
-              <a:t>10</a:t>
+              <a:t>3</a:t>
             </a:fld>
             <a:endParaRPr lang="en-US" dirty="0"/>
           </a:p>
@@ -938,7 +1720,7 @@
     </p:spTree>
     <p:extLst>
       <p:ext uri="{BB962C8B-B14F-4D97-AF65-F5344CB8AC3E}">
-        <p14:creationId xmlns:p14="http://schemas.microsoft.com/office/powerpoint/2010/main" val="4258283895"/>
+        <p14:creationId xmlns:p14="http://schemas.microsoft.com/office/powerpoint/2010/main" val="2475356056"/>
       </p:ext>
     </p:extLst>
   </p:cSld>
@@ -992,6 +1774,24 @@
           <a:bodyPr/>
           <a:lstStyle/>
           <a:p>
+            <a:r>
+              <a:rPr lang="en-GB" dirty="0"/>
+              <a:t>The site used for my agile project management was JIRA and specifically the Kanban board aspect.</a:t>
+            </a:r>
+          </a:p>
+          <a:p>
+            <a:r>
+              <a:rPr lang="en-GB" dirty="0"/>
+              <a:t>To begin with I created as many User Stories as possible with the product requirements as my guide and coding experience to fill in gaps required. </a:t>
+            </a:r>
+          </a:p>
+          <a:p>
+            <a:r>
+              <a:rPr lang="en-GB" dirty="0"/>
+              <a:t>Once all the user stories were created Epics through common themes in user stories were generated (items, customer, orders and system) which allowed us to tag/link stories to correct epics.</a:t>
+            </a:r>
+          </a:p>
+          <a:p>
             <a:endParaRPr lang="en-GB" dirty="0"/>
           </a:p>
         </p:txBody>
@@ -1013,7 +1813,7 @@
           <a:p>
             <a:fld id="{D4B9A9E5-4F7F-4A7D-9DE1-899232329269}" type="slidenum">
               <a:rPr lang="en-US" smtClean="0"/>
-              <a:t>11</a:t>
+              <a:t>4</a:t>
             </a:fld>
             <a:endParaRPr lang="en-US" dirty="0"/>
           </a:p>
@@ -1022,7 +1822,7 @@
     </p:spTree>
     <p:extLst>
       <p:ext uri="{BB962C8B-B14F-4D97-AF65-F5344CB8AC3E}">
-        <p14:creationId xmlns:p14="http://schemas.microsoft.com/office/powerpoint/2010/main" val="96613791"/>
+        <p14:creationId xmlns:p14="http://schemas.microsoft.com/office/powerpoint/2010/main" val="926025211"/>
       </p:ext>
     </p:extLst>
   </p:cSld>
@@ -1076,7 +1876,16 @@
           <a:bodyPr/>
           <a:lstStyle/>
           <a:p>
-            <a:endParaRPr lang="en-GB" dirty="0"/>
+            <a:r>
+              <a:rPr lang="en-GB" dirty="0"/>
+              <a:t>The second sprint was use for creating the class, DAO (data access object) and controller for customer and items and updating the IMS to access these entities to become active controllers.</a:t>
+            </a:r>
+          </a:p>
+          <a:p>
+            <a:r>
+              <a:rPr lang="en-GB" dirty="0"/>
+              <a:t>This included deciding the attributes required for each entity and if any relationships required special assessment. Also creating the tables in MySQL and the statements required with the functionality to also pull long, int and double values from the database with conversion models. Here I ran into a couple of issues when I attempted to run the application before updating the IMS, therefore the item domain was not a case in the running order to become active with its controller/DAO, resulting in failure.</a:t>
+            </a:r>
           </a:p>
         </p:txBody>
       </p:sp>
@@ -1097,7 +1906,7 @@
           <a:p>
             <a:fld id="{D4B9A9E5-4F7F-4A7D-9DE1-899232329269}" type="slidenum">
               <a:rPr lang="en-US" smtClean="0"/>
-              <a:t>12</a:t>
+              <a:t>5</a:t>
             </a:fld>
             <a:endParaRPr lang="en-US" dirty="0"/>
           </a:p>
@@ -1106,7 +1915,7 @@
     </p:spTree>
     <p:extLst>
       <p:ext uri="{BB962C8B-B14F-4D97-AF65-F5344CB8AC3E}">
-        <p14:creationId xmlns:p14="http://schemas.microsoft.com/office/powerpoint/2010/main" val="512260083"/>
+        <p14:creationId xmlns:p14="http://schemas.microsoft.com/office/powerpoint/2010/main" val="3124030940"/>
       </p:ext>
     </p:extLst>
   </p:cSld>
@@ -1160,7 +1969,35 @@
           <a:bodyPr/>
           <a:lstStyle/>
           <a:p>
+            <a:r>
+              <a:rPr lang="en-GB" dirty="0"/>
+              <a:t>The third sprint was dedicated to the production of the order class, DAO and controller. When creating the user stories and implementing story points, orders was identified as the heavier task. This was mainly due to the requirement of an </a:t>
+            </a:r>
+            <a:r>
+              <a:rPr lang="en-GB" dirty="0" err="1"/>
+              <a:t>OrderAction</a:t>
+            </a:r>
+            <a:r>
+              <a:rPr lang="en-GB" dirty="0"/>
+              <a:t> </a:t>
+            </a:r>
+            <a:r>
+              <a:rPr lang="en-GB" dirty="0" err="1"/>
+              <a:t>enum</a:t>
+            </a:r>
+            <a:r>
+              <a:rPr lang="en-GB" dirty="0"/>
+              <a:t>, the cost order method, the requirement to add items to these order and delete items from these orders.</a:t>
+            </a:r>
+          </a:p>
+          <a:p>
             <a:endParaRPr lang="en-GB" dirty="0"/>
+          </a:p>
+          <a:p>
+            <a:r>
+              <a:rPr lang="en-GB" dirty="0"/>
+              <a:t>Read the user stories</a:t>
+            </a:r>
           </a:p>
         </p:txBody>
       </p:sp>
@@ -1181,7 +2018,7 @@
           <a:p>
             <a:fld id="{D4B9A9E5-4F7F-4A7D-9DE1-899232329269}" type="slidenum">
               <a:rPr lang="en-US" smtClean="0"/>
-              <a:t>13</a:t>
+              <a:t>6</a:t>
             </a:fld>
             <a:endParaRPr lang="en-US" dirty="0"/>
           </a:p>
@@ -1190,7 +2027,7 @@
     </p:spTree>
     <p:extLst>
       <p:ext uri="{BB962C8B-B14F-4D97-AF65-F5344CB8AC3E}">
-        <p14:creationId xmlns:p14="http://schemas.microsoft.com/office/powerpoint/2010/main" val="225885217"/>
+        <p14:creationId xmlns:p14="http://schemas.microsoft.com/office/powerpoint/2010/main" val="3042009983"/>
       </p:ext>
     </p:extLst>
   </p:cSld>
@@ -1244,7 +2081,25 @@
           <a:bodyPr/>
           <a:lstStyle/>
           <a:p>
+            <a:r>
+              <a:rPr lang="en-GB" dirty="0"/>
+              <a:t>The final sprint was about unit &amp; integration testing and documentation finalisation with the final merge into the master branch for full Feature branch model creation. </a:t>
+            </a:r>
+          </a:p>
+          <a:p>
             <a:endParaRPr lang="en-GB" dirty="0"/>
+          </a:p>
+          <a:p>
+            <a:r>
+              <a:rPr lang="en-GB" dirty="0"/>
+              <a:t>An example of a user story</a:t>
+            </a:r>
+          </a:p>
+          <a:p>
+            <a:r>
+              <a:rPr lang="en-GB" dirty="0"/>
+              <a:t>From here would be “As a developer, I want to complete a ReadMe, So that other users can use the program correctly”</a:t>
+            </a:r>
           </a:p>
         </p:txBody>
       </p:sp>
@@ -1265,7 +2120,7 @@
           <a:p>
             <a:fld id="{D4B9A9E5-4F7F-4A7D-9DE1-899232329269}" type="slidenum">
               <a:rPr lang="en-US" smtClean="0"/>
-              <a:t>14</a:t>
+              <a:t>7</a:t>
             </a:fld>
             <a:endParaRPr lang="en-US" dirty="0"/>
           </a:p>
@@ -1274,7 +2129,249 @@
     </p:spTree>
     <p:extLst>
       <p:ext uri="{BB962C8B-B14F-4D97-AF65-F5344CB8AC3E}">
-        <p14:creationId xmlns:p14="http://schemas.microsoft.com/office/powerpoint/2010/main" val="784096323"/>
+        <p14:creationId xmlns:p14="http://schemas.microsoft.com/office/powerpoint/2010/main" val="2291058029"/>
+      </p:ext>
+    </p:extLst>
+  </p:cSld>
+  <p:clrMapOvr>
+    <a:masterClrMapping/>
+  </p:clrMapOvr>
+</p:notes>
+</file>
+
+<file path=ppt/notesSlides/notesSlide8.xml><?xml version="1.0" encoding="utf-8"?>
+<p:notes xmlns:a="http://schemas.openxmlformats.org/drawingml/2006/main" xmlns:r="http://schemas.openxmlformats.org/officeDocument/2006/relationships" xmlns:p="http://schemas.openxmlformats.org/presentationml/2006/main">
+  <p:cSld>
+    <p:spTree>
+      <p:nvGrpSpPr>
+        <p:cNvPr id="1" name=""/>
+        <p:cNvGrpSpPr/>
+        <p:nvPr/>
+      </p:nvGrpSpPr>
+      <p:grpSpPr>
+        <a:xfrm>
+          <a:off x="0" y="0"/>
+          <a:ext cx="0" cy="0"/>
+          <a:chOff x="0" y="0"/>
+          <a:chExt cx="0" cy="0"/>
+        </a:xfrm>
+      </p:grpSpPr>
+      <p:sp>
+        <p:nvSpPr>
+          <p:cNvPr id="2" name="Slide Image Placeholder 1"/>
+          <p:cNvSpPr>
+            <a:spLocks noGrp="1" noRot="1" noChangeAspect="1"/>
+          </p:cNvSpPr>
+          <p:nvPr>
+            <p:ph type="sldImg"/>
+          </p:nvPr>
+        </p:nvSpPr>
+        <p:spPr/>
+      </p:sp>
+      <p:sp>
+        <p:nvSpPr>
+          <p:cNvPr id="3" name="Notes Placeholder 2"/>
+          <p:cNvSpPr>
+            <a:spLocks noGrp="1"/>
+          </p:cNvSpPr>
+          <p:nvPr>
+            <p:ph type="body" idx="1"/>
+          </p:nvPr>
+        </p:nvSpPr>
+        <p:spPr/>
+        <p:txBody>
+          <a:bodyPr/>
+          <a:lstStyle/>
+          <a:p>
+            <a:r>
+              <a:rPr lang="en-GB" dirty="0"/>
+              <a:t>Here my conceptualised ERD was the same as the reverse engineered ERD from MySQL.</a:t>
+            </a:r>
+          </a:p>
+          <a:p>
+            <a:endParaRPr lang="en-GB" dirty="0"/>
+          </a:p>
+          <a:p>
+            <a:r>
+              <a:rPr lang="en-GB" dirty="0"/>
+              <a:t>The relationships are as follows:</a:t>
+            </a:r>
+          </a:p>
+          <a:p>
+            <a:r>
+              <a:rPr lang="en-GB" dirty="0"/>
+              <a:t>(Items – </a:t>
+            </a:r>
+            <a:r>
+              <a:rPr lang="en-GB" dirty="0" err="1"/>
+              <a:t>order_items</a:t>
+            </a:r>
+            <a:r>
+              <a:rPr lang="en-GB" dirty="0"/>
+              <a:t>) is a one and only one to One or many relationship.</a:t>
+            </a:r>
+          </a:p>
+          <a:p>
+            <a:r>
+              <a:rPr lang="en-GB" dirty="0"/>
+              <a:t>customers to orders is a one and only one to One or many relationship</a:t>
+            </a:r>
+          </a:p>
+          <a:p>
+            <a:r>
+              <a:rPr lang="en-GB" dirty="0"/>
+              <a:t>order to customer is a one and only one relationship</a:t>
+            </a:r>
+          </a:p>
+          <a:p>
+            <a:r>
+              <a:rPr lang="en-GB" dirty="0"/>
+              <a:t>Customer to </a:t>
+            </a:r>
+            <a:r>
+              <a:rPr lang="en-GB" dirty="0" err="1"/>
+              <a:t>order_items</a:t>
+            </a:r>
+            <a:r>
+              <a:rPr lang="en-GB" dirty="0"/>
+              <a:t>, is a one way, One or Many relationship</a:t>
+            </a:r>
+          </a:p>
+          <a:p>
+            <a:endParaRPr lang="en-GB" dirty="0"/>
+          </a:p>
+        </p:txBody>
+      </p:sp>
+      <p:sp>
+        <p:nvSpPr>
+          <p:cNvPr id="4" name="Slide Number Placeholder 3"/>
+          <p:cNvSpPr>
+            <a:spLocks noGrp="1"/>
+          </p:cNvSpPr>
+          <p:nvPr>
+            <p:ph type="sldNum" sz="quarter" idx="5"/>
+          </p:nvPr>
+        </p:nvSpPr>
+        <p:spPr/>
+        <p:txBody>
+          <a:bodyPr/>
+          <a:lstStyle/>
+          <a:p>
+            <a:fld id="{D4B9A9E5-4F7F-4A7D-9DE1-899232329269}" type="slidenum">
+              <a:rPr lang="en-US" smtClean="0"/>
+              <a:t>8</a:t>
+            </a:fld>
+            <a:endParaRPr lang="en-US" dirty="0"/>
+          </a:p>
+        </p:txBody>
+      </p:sp>
+    </p:spTree>
+    <p:extLst>
+      <p:ext uri="{BB962C8B-B14F-4D97-AF65-F5344CB8AC3E}">
+        <p14:creationId xmlns:p14="http://schemas.microsoft.com/office/powerpoint/2010/main" val="2870253147"/>
+      </p:ext>
+    </p:extLst>
+  </p:cSld>
+  <p:clrMapOvr>
+    <a:masterClrMapping/>
+  </p:clrMapOvr>
+</p:notes>
+</file>
+
+<file path=ppt/notesSlides/notesSlide9.xml><?xml version="1.0" encoding="utf-8"?>
+<p:notes xmlns:a="http://schemas.openxmlformats.org/drawingml/2006/main" xmlns:r="http://schemas.openxmlformats.org/officeDocument/2006/relationships" xmlns:p="http://schemas.openxmlformats.org/presentationml/2006/main">
+  <p:cSld>
+    <p:spTree>
+      <p:nvGrpSpPr>
+        <p:cNvPr id="1" name=""/>
+        <p:cNvGrpSpPr/>
+        <p:nvPr/>
+      </p:nvGrpSpPr>
+      <p:grpSpPr>
+        <a:xfrm>
+          <a:off x="0" y="0"/>
+          <a:ext cx="0" cy="0"/>
+          <a:chOff x="0" y="0"/>
+          <a:chExt cx="0" cy="0"/>
+        </a:xfrm>
+      </p:grpSpPr>
+      <p:sp>
+        <p:nvSpPr>
+          <p:cNvPr id="2" name="Slide Image Placeholder 1"/>
+          <p:cNvSpPr>
+            <a:spLocks noGrp="1" noRot="1" noChangeAspect="1"/>
+          </p:cNvSpPr>
+          <p:nvPr>
+            <p:ph type="sldImg"/>
+          </p:nvPr>
+        </p:nvSpPr>
+        <p:spPr/>
+      </p:sp>
+      <p:sp>
+        <p:nvSpPr>
+          <p:cNvPr id="3" name="Notes Placeholder 2"/>
+          <p:cNvSpPr>
+            <a:spLocks noGrp="1"/>
+          </p:cNvSpPr>
+          <p:nvPr>
+            <p:ph type="body" idx="1"/>
+          </p:nvPr>
+        </p:nvSpPr>
+        <p:spPr/>
+        <p:txBody>
+          <a:bodyPr/>
+          <a:lstStyle/>
+          <a:p>
+            <a:r>
+              <a:rPr lang="en-GB" dirty="0"/>
+              <a:t>Here is an example of the initial code for the domains of each. As you can see they all contain constructors, getters/setters and just off screen which I will show later is the </a:t>
+            </a:r>
+            <a:r>
+              <a:rPr lang="en-GB" dirty="0" err="1"/>
+              <a:t>toString</a:t>
+            </a:r>
+            <a:r>
+              <a:rPr lang="en-GB" dirty="0"/>
+              <a:t>, </a:t>
+            </a:r>
+            <a:r>
+              <a:rPr lang="en-GB" dirty="0" err="1"/>
+              <a:t>hashcode</a:t>
+            </a:r>
+            <a:r>
+              <a:rPr lang="en-GB" dirty="0"/>
+              <a:t> generation and Equals method.</a:t>
+            </a:r>
+          </a:p>
+        </p:txBody>
+      </p:sp>
+      <p:sp>
+        <p:nvSpPr>
+          <p:cNvPr id="4" name="Slide Number Placeholder 3"/>
+          <p:cNvSpPr>
+            <a:spLocks noGrp="1"/>
+          </p:cNvSpPr>
+          <p:nvPr>
+            <p:ph type="sldNum" sz="quarter" idx="5"/>
+          </p:nvPr>
+        </p:nvSpPr>
+        <p:spPr/>
+        <p:txBody>
+          <a:bodyPr/>
+          <a:lstStyle/>
+          <a:p>
+            <a:fld id="{D4B9A9E5-4F7F-4A7D-9DE1-899232329269}" type="slidenum">
+              <a:rPr lang="en-US" smtClean="0"/>
+              <a:t>9</a:t>
+            </a:fld>
+            <a:endParaRPr lang="en-US" dirty="0"/>
+          </a:p>
+        </p:txBody>
+      </p:sp>
+    </p:spTree>
+    <p:extLst>
+      <p:ext uri="{BB962C8B-B14F-4D97-AF65-F5344CB8AC3E}">
+        <p14:creationId xmlns:p14="http://schemas.microsoft.com/office/powerpoint/2010/main" val="420529788"/>
       </p:ext>
     </p:extLst>
   </p:cSld>
@@ -20800,55 +21897,21 @@
           <p:cNvPr id="2" name="Title 1">
             <a:extLst>
               <a:ext uri="{FF2B5EF4-FFF2-40B4-BE49-F238E27FC236}">
-                <a16:creationId xmlns:a16="http://schemas.microsoft.com/office/drawing/2014/main" id="{BCCAEE93-8585-46D4-A7EC-F184E317CB2E}"/>
-              </a:ext>
-            </a:extLst>
-          </p:cNvPr>
-          <p:cNvSpPr>
-            <a:spLocks noGrp="1"/>
-          </p:cNvSpPr>
-          <p:nvPr>
-            <p:ph type="ctrTitle"/>
-          </p:nvPr>
-        </p:nvSpPr>
-        <p:spPr>
-          <a:xfrm>
-            <a:off x="3951786" y="1317072"/>
-            <a:ext cx="4179570" cy="1127113"/>
-          </a:xfrm>
-        </p:spPr>
-        <p:txBody>
-          <a:bodyPr/>
-          <a:lstStyle/>
-          <a:p>
-            <a:pPr algn="ctr"/>
-            <a:r>
-              <a:rPr lang="en-US" dirty="0"/>
-              <a:t>THANKs for listening</a:t>
-            </a:r>
-          </a:p>
-        </p:txBody>
-      </p:sp>
-      <p:sp>
-        <p:nvSpPr>
-          <p:cNvPr id="3" name="Content Placeholder 2">
-            <a:extLst>
-              <a:ext uri="{FF2B5EF4-FFF2-40B4-BE49-F238E27FC236}">
-                <a16:creationId xmlns:a16="http://schemas.microsoft.com/office/drawing/2014/main" id="{24AFFC60-19C3-4901-93F7-7AAF4C09F8C6}"/>
-              </a:ext>
-            </a:extLst>
-          </p:cNvPr>
-          <p:cNvSpPr>
-            <a:spLocks noGrp="1"/>
-          </p:cNvSpPr>
-          <p:nvPr>
-            <p:ph type="subTitle" idx="1"/>
-          </p:nvPr>
-        </p:nvSpPr>
-        <p:spPr>
-          <a:xfrm>
-            <a:off x="4006215" y="2927711"/>
-            <a:ext cx="4179570" cy="2004161"/>
+                <a16:creationId xmlns:a16="http://schemas.microsoft.com/office/drawing/2014/main" id="{39605AF1-623C-4E09-AB5D-8DD0571489F6}"/>
+              </a:ext>
+            </a:extLst>
+          </p:cNvPr>
+          <p:cNvSpPr>
+            <a:spLocks noGrp="1"/>
+          </p:cNvSpPr>
+          <p:nvPr>
+            <p:ph type="title"/>
+          </p:nvPr>
+        </p:nvSpPr>
+        <p:spPr>
+          <a:xfrm>
+            <a:off x="3380014" y="219983"/>
+            <a:ext cx="5431971" cy="582073"/>
           </a:xfrm>
         </p:spPr>
         <p:txBody>
@@ -20860,13 +21923,245 @@
             <a:pPr algn="ctr"/>
             <a:r>
               <a:rPr lang="en-US" dirty="0"/>
+              <a:t>Feature branch Model</a:t>
+            </a:r>
+          </a:p>
+        </p:txBody>
+      </p:sp>
+      <p:cxnSp>
+        <p:nvCxnSpPr>
+          <p:cNvPr id="12" name="Straight Connector 11">
+            <a:extLst>
+              <a:ext uri="{FF2B5EF4-FFF2-40B4-BE49-F238E27FC236}">
+                <a16:creationId xmlns:a16="http://schemas.microsoft.com/office/drawing/2014/main" id="{4FDAC8E3-3C5F-5168-19E0-E6220C672795}"/>
+              </a:ext>
+            </a:extLst>
+          </p:cNvPr>
+          <p:cNvCxnSpPr>
+            <a:cxnSpLocks/>
+          </p:cNvCxnSpPr>
+          <p:nvPr/>
+        </p:nvCxnSpPr>
+        <p:spPr>
+          <a:xfrm>
+            <a:off x="4736983" y="660697"/>
+            <a:ext cx="2718033" cy="0"/>
+          </a:xfrm>
+          <a:prstGeom prst="line">
+            <a:avLst/>
+          </a:prstGeom>
+          <a:ln>
+            <a:solidFill>
+              <a:srgbClr val="E3B18D"/>
+            </a:solidFill>
+          </a:ln>
+        </p:spPr>
+        <p:style>
+          <a:lnRef idx="1">
+            <a:schemeClr val="accent1"/>
+          </a:lnRef>
+          <a:fillRef idx="0">
+            <a:schemeClr val="accent1"/>
+          </a:fillRef>
+          <a:effectRef idx="0">
+            <a:schemeClr val="accent1"/>
+          </a:effectRef>
+          <a:fontRef idx="minor">
+            <a:schemeClr val="tx1"/>
+          </a:fontRef>
+        </p:style>
+      </p:cxnSp>
+      <p:pic>
+        <p:nvPicPr>
+          <p:cNvPr id="35" name="Picture 34" descr="Icon&#10;&#10;Description automatically generated">
+            <a:extLst>
+              <a:ext uri="{FF2B5EF4-FFF2-40B4-BE49-F238E27FC236}">
+                <a16:creationId xmlns:a16="http://schemas.microsoft.com/office/drawing/2014/main" id="{2C4C0F2E-E2CA-422E-A68C-5A1247887AB9}"/>
+              </a:ext>
+            </a:extLst>
+          </p:cNvPr>
+          <p:cNvPicPr>
+            <a:picLocks noChangeAspect="1"/>
+          </p:cNvPicPr>
+          <p:nvPr/>
+        </p:nvPicPr>
+        <p:blipFill>
+          <a:blip r:embed="rId3"/>
+          <a:stretch>
+            <a:fillRect/>
+          </a:stretch>
+        </p:blipFill>
+        <p:spPr>
+          <a:xfrm>
+            <a:off x="1" y="5992140"/>
+            <a:ext cx="1115736" cy="871668"/>
+          </a:xfrm>
+          <a:prstGeom prst="rect">
+            <a:avLst/>
+          </a:prstGeom>
+        </p:spPr>
+      </p:pic>
+      <p:pic>
+        <p:nvPicPr>
+          <p:cNvPr id="11" name="Picture 10" descr="A screenshot of a video game&#10;&#10;Description automatically generated">
+            <a:extLst>
+              <a:ext uri="{FF2B5EF4-FFF2-40B4-BE49-F238E27FC236}">
+                <a16:creationId xmlns:a16="http://schemas.microsoft.com/office/drawing/2014/main" id="{766BAD68-FC7A-C1A8-6204-EB4817A8936C}"/>
+              </a:ext>
+            </a:extLst>
+          </p:cNvPr>
+          <p:cNvPicPr>
+            <a:picLocks noChangeAspect="1"/>
+          </p:cNvPicPr>
+          <p:nvPr/>
+        </p:nvPicPr>
+        <p:blipFill rotWithShape="1">
+          <a:blip r:embed="rId4"/>
+          <a:srcRect t="1289"/>
+          <a:stretch/>
+        </p:blipFill>
+        <p:spPr>
+          <a:xfrm>
+            <a:off x="436899" y="1062024"/>
+            <a:ext cx="7949881" cy="3961079"/>
+          </a:xfrm>
+          <a:prstGeom prst="rect">
+            <a:avLst/>
+          </a:prstGeom>
+        </p:spPr>
+      </p:pic>
+      <p:pic>
+        <p:nvPicPr>
+          <p:cNvPr id="14" name="Picture 13" descr="Graphical user interface&#10;&#10;Description automatically generated">
+            <a:extLst>
+              <a:ext uri="{FF2B5EF4-FFF2-40B4-BE49-F238E27FC236}">
+                <a16:creationId xmlns:a16="http://schemas.microsoft.com/office/drawing/2014/main" id="{CC87FB02-700B-068B-FEB1-6120C0B1A13B}"/>
+              </a:ext>
+            </a:extLst>
+          </p:cNvPr>
+          <p:cNvPicPr>
+            <a:picLocks noChangeAspect="1"/>
+          </p:cNvPicPr>
+          <p:nvPr/>
+        </p:nvPicPr>
+        <p:blipFill rotWithShape="1">
+          <a:blip r:embed="rId5"/>
+          <a:srcRect r="291" b="9014"/>
+          <a:stretch/>
+        </p:blipFill>
+        <p:spPr>
+          <a:xfrm>
+            <a:off x="6284935" y="1053732"/>
+            <a:ext cx="5309658" cy="3961079"/>
+          </a:xfrm>
+          <a:prstGeom prst="rect">
+            <a:avLst/>
+          </a:prstGeom>
+        </p:spPr>
+      </p:pic>
+    </p:spTree>
+    <p:extLst>
+      <p:ext uri="{BB962C8B-B14F-4D97-AF65-F5344CB8AC3E}">
+        <p14:creationId xmlns:p14="http://schemas.microsoft.com/office/powerpoint/2010/main" val="2295497128"/>
+      </p:ext>
+    </p:extLst>
+  </p:cSld>
+  <p:clrMapOvr>
+    <a:masterClrMapping/>
+  </p:clrMapOvr>
+</p:sld>
+</file>
+
+<file path=ppt/slides/slide16.xml><?xml version="1.0" encoding="utf-8"?>
+<p:sld xmlns:a="http://schemas.openxmlformats.org/drawingml/2006/main" xmlns:r="http://schemas.openxmlformats.org/officeDocument/2006/relationships" xmlns:p="http://schemas.openxmlformats.org/presentationml/2006/main">
+  <p:cSld>
+    <p:spTree>
+      <p:nvGrpSpPr>
+        <p:cNvPr id="1" name=""/>
+        <p:cNvGrpSpPr/>
+        <p:nvPr/>
+      </p:nvGrpSpPr>
+      <p:grpSpPr>
+        <a:xfrm>
+          <a:off x="0" y="0"/>
+          <a:ext cx="0" cy="0"/>
+          <a:chOff x="0" y="0"/>
+          <a:chExt cx="0" cy="0"/>
+        </a:xfrm>
+      </p:grpSpPr>
+      <p:sp>
+        <p:nvSpPr>
+          <p:cNvPr id="2" name="Title 1">
+            <a:extLst>
+              <a:ext uri="{FF2B5EF4-FFF2-40B4-BE49-F238E27FC236}">
+                <a16:creationId xmlns:a16="http://schemas.microsoft.com/office/drawing/2014/main" id="{BCCAEE93-8585-46D4-A7EC-F184E317CB2E}"/>
+              </a:ext>
+            </a:extLst>
+          </p:cNvPr>
+          <p:cNvSpPr>
+            <a:spLocks noGrp="1"/>
+          </p:cNvSpPr>
+          <p:nvPr>
+            <p:ph type="ctrTitle"/>
+          </p:nvPr>
+        </p:nvSpPr>
+        <p:spPr>
+          <a:xfrm>
+            <a:off x="3951786" y="1317072"/>
+            <a:ext cx="4179570" cy="1127113"/>
+          </a:xfrm>
+        </p:spPr>
+        <p:txBody>
+          <a:bodyPr/>
+          <a:lstStyle/>
+          <a:p>
+            <a:pPr algn="ctr"/>
+            <a:r>
+              <a:rPr lang="en-US" dirty="0"/>
+              <a:t>THANKs for listening</a:t>
+            </a:r>
+          </a:p>
+        </p:txBody>
+      </p:sp>
+      <p:sp>
+        <p:nvSpPr>
+          <p:cNvPr id="3" name="Content Placeholder 2">
+            <a:extLst>
+              <a:ext uri="{FF2B5EF4-FFF2-40B4-BE49-F238E27FC236}">
+                <a16:creationId xmlns:a16="http://schemas.microsoft.com/office/drawing/2014/main" id="{24AFFC60-19C3-4901-93F7-7AAF4C09F8C6}"/>
+              </a:ext>
+            </a:extLst>
+          </p:cNvPr>
+          <p:cNvSpPr>
+            <a:spLocks noGrp="1"/>
+          </p:cNvSpPr>
+          <p:nvPr>
+            <p:ph type="subTitle" idx="1"/>
+          </p:nvPr>
+        </p:nvSpPr>
+        <p:spPr>
+          <a:xfrm>
+            <a:off x="4006215" y="2927711"/>
+            <a:ext cx="4179570" cy="2004161"/>
+          </a:xfrm>
+        </p:spPr>
+        <p:txBody>
+          <a:bodyPr>
+            <a:normAutofit/>
+          </a:bodyPr>
+          <a:lstStyle/>
+          <a:p>
+            <a:pPr algn="ctr"/>
+            <a:r>
+              <a:rPr lang="en-US" dirty="0"/>
               <a:t>Charles Cairney​</a:t>
             </a:r>
           </a:p>
           <a:p>
+            <a:pPr algn="ctr"/>
             <a:r>
               <a:rPr lang="en-US" dirty="0"/>
-              <a:t>https://github.com/CSCairneywww.contoso.com</a:t>
+              <a:t>https://github.com/CSCairney</a:t>
             </a:r>
           </a:p>
         </p:txBody>
@@ -21024,7 +22319,7 @@
           <p:nvPr/>
         </p:nvPicPr>
         <p:blipFill>
-          <a:blip r:embed="rId2"/>
+          <a:blip r:embed="rId3"/>
           <a:stretch>
             <a:fillRect/>
           </a:stretch>
@@ -21054,7 +22349,7 @@
           <p:nvPr/>
         </p:nvPicPr>
         <p:blipFill>
-          <a:blip r:embed="rId3"/>
+          <a:blip r:embed="rId4"/>
           <a:stretch>
             <a:fillRect/>
           </a:stretch>
@@ -21223,7 +22518,7 @@
           <p:nvPr/>
         </p:nvPicPr>
         <p:blipFill>
-          <a:blip r:embed="rId2"/>
+          <a:blip r:embed="rId3"/>
           <a:stretch>
             <a:fillRect/>
           </a:stretch>
@@ -21511,7 +22806,7 @@
           <p:nvPr/>
         </p:nvPicPr>
         <p:blipFill>
-          <a:blip r:embed="rId3"/>
+          <a:blip r:embed="rId4"/>
           <a:stretch>
             <a:fillRect/>
           </a:stretch>
@@ -21541,7 +22836,7 @@
           <p:nvPr/>
         </p:nvPicPr>
         <p:blipFill>
-          <a:blip r:embed="rId4"/>
+          <a:blip r:embed="rId5"/>
           <a:stretch>
             <a:fillRect/>
           </a:stretch>
@@ -21808,36 +23103,6 @@
           <p:nvPr/>
         </p:nvPicPr>
         <p:blipFill>
-          <a:blip r:embed="rId2"/>
-          <a:stretch>
-            <a:fillRect/>
-          </a:stretch>
-        </p:blipFill>
-        <p:spPr>
-          <a:xfrm>
-            <a:off x="1" y="5992140"/>
-            <a:ext cx="1115736" cy="871668"/>
-          </a:xfrm>
-          <a:prstGeom prst="rect">
-            <a:avLst/>
-          </a:prstGeom>
-        </p:spPr>
-      </p:pic>
-      <p:pic>
-        <p:nvPicPr>
-          <p:cNvPr id="28" name="Picture 27" descr="Graphical user interface, application&#10;&#10;Description automatically generated">
-            <a:extLst>
-              <a:ext uri="{FF2B5EF4-FFF2-40B4-BE49-F238E27FC236}">
-                <a16:creationId xmlns:a16="http://schemas.microsoft.com/office/drawing/2014/main" id="{963111B1-A02A-D7D2-A819-59E8DC6795D0}"/>
-              </a:ext>
-            </a:extLst>
-          </p:cNvPr>
-          <p:cNvPicPr>
-            <a:picLocks noChangeAspect="1"/>
-          </p:cNvPicPr>
-          <p:nvPr/>
-        </p:nvPicPr>
-        <p:blipFill>
           <a:blip r:embed="rId3"/>
           <a:stretch>
             <a:fillRect/>
@@ -21845,8 +23110,8 @@
         </p:blipFill>
         <p:spPr>
           <a:xfrm>
-            <a:off x="5630015" y="1895759"/>
-            <a:ext cx="6307822" cy="4962241"/>
+            <a:off x="1" y="5992140"/>
+            <a:ext cx="1115736" cy="871668"/>
           </a:xfrm>
           <a:prstGeom prst="rect">
             <a:avLst/>
@@ -21855,10 +23120,10 @@
       </p:pic>
       <p:pic>
         <p:nvPicPr>
-          <p:cNvPr id="30" name="Picture 29" descr="Graphical user interface, text&#10;&#10;Description automatically generated">
-            <a:extLst>
-              <a:ext uri="{FF2B5EF4-FFF2-40B4-BE49-F238E27FC236}">
-                <a16:creationId xmlns:a16="http://schemas.microsoft.com/office/drawing/2014/main" id="{5561A2E7-ED3F-F4CE-38BC-70EE9AA9B066}"/>
+          <p:cNvPr id="28" name="Picture 27" descr="Graphical user interface, application&#10;&#10;Description automatically generated">
+            <a:extLst>
+              <a:ext uri="{FF2B5EF4-FFF2-40B4-BE49-F238E27FC236}">
+                <a16:creationId xmlns:a16="http://schemas.microsoft.com/office/drawing/2014/main" id="{963111B1-A02A-D7D2-A819-59E8DC6795D0}"/>
               </a:ext>
             </a:extLst>
           </p:cNvPr>
@@ -21869,6 +23134,36 @@
         </p:nvPicPr>
         <p:blipFill>
           <a:blip r:embed="rId4"/>
+          <a:stretch>
+            <a:fillRect/>
+          </a:stretch>
+        </p:blipFill>
+        <p:spPr>
+          <a:xfrm>
+            <a:off x="5630015" y="1895759"/>
+            <a:ext cx="6307822" cy="4962241"/>
+          </a:xfrm>
+          <a:prstGeom prst="rect">
+            <a:avLst/>
+          </a:prstGeom>
+        </p:spPr>
+      </p:pic>
+      <p:pic>
+        <p:nvPicPr>
+          <p:cNvPr id="30" name="Picture 29" descr="Graphical user interface, text&#10;&#10;Description automatically generated">
+            <a:extLst>
+              <a:ext uri="{FF2B5EF4-FFF2-40B4-BE49-F238E27FC236}">
+                <a16:creationId xmlns:a16="http://schemas.microsoft.com/office/drawing/2014/main" id="{5561A2E7-ED3F-F4CE-38BC-70EE9AA9B066}"/>
+              </a:ext>
+            </a:extLst>
+          </p:cNvPr>
+          <p:cNvPicPr>
+            <a:picLocks noChangeAspect="1"/>
+          </p:cNvPicPr>
+          <p:nvPr/>
+        </p:nvPicPr>
+        <p:blipFill>
+          <a:blip r:embed="rId5"/>
           <a:stretch>
             <a:fillRect/>
           </a:stretch>
@@ -22113,7 +23408,7 @@
           <p:nvPr/>
         </p:nvPicPr>
         <p:blipFill>
-          <a:blip r:embed="rId5"/>
+          <a:blip r:embed="rId6"/>
           <a:stretch>
             <a:fillRect/>
           </a:stretch>
@@ -22474,7 +23769,7 @@
           <p:nvPr/>
         </p:nvPicPr>
         <p:blipFill>
-          <a:blip r:embed="rId2"/>
+          <a:blip r:embed="rId3"/>
           <a:stretch>
             <a:fillRect/>
           </a:stretch>
@@ -22495,35 +23790,6 @@
             <a:extLst>
               <a:ext uri="{FF2B5EF4-FFF2-40B4-BE49-F238E27FC236}">
                 <a16:creationId xmlns:a16="http://schemas.microsoft.com/office/drawing/2014/main" id="{963111B1-A02A-D7D2-A819-59E8DC6795D0}"/>
-              </a:ext>
-            </a:extLst>
-          </p:cNvPr>
-          <p:cNvPicPr>
-            <a:picLocks noChangeAspect="1"/>
-          </p:cNvPicPr>
-          <p:nvPr/>
-        </p:nvPicPr>
-        <p:blipFill>
-          <a:blip r:embed="rId3"/>
-          <a:srcRect/>
-          <a:stretch/>
-        </p:blipFill>
-        <p:spPr>
-          <a:xfrm>
-            <a:off x="6016167" y="1895759"/>
-            <a:ext cx="5535518" cy="4962241"/>
-          </a:xfrm>
-          <a:prstGeom prst="rect">
-            <a:avLst/>
-          </a:prstGeom>
-        </p:spPr>
-      </p:pic>
-      <p:pic>
-        <p:nvPicPr>
-          <p:cNvPr id="30" name="Picture 29">
-            <a:extLst>
-              <a:ext uri="{FF2B5EF4-FFF2-40B4-BE49-F238E27FC236}">
-                <a16:creationId xmlns:a16="http://schemas.microsoft.com/office/drawing/2014/main" id="{5561A2E7-ED3F-F4CE-38BC-70EE9AA9B066}"/>
               </a:ext>
             </a:extLst>
           </p:cNvPr>
@@ -22534,6 +23800,35 @@
         </p:nvPicPr>
         <p:blipFill>
           <a:blip r:embed="rId4"/>
+          <a:srcRect/>
+          <a:stretch/>
+        </p:blipFill>
+        <p:spPr>
+          <a:xfrm>
+            <a:off x="6016167" y="1895759"/>
+            <a:ext cx="5535518" cy="4962241"/>
+          </a:xfrm>
+          <a:prstGeom prst="rect">
+            <a:avLst/>
+          </a:prstGeom>
+        </p:spPr>
+      </p:pic>
+      <p:pic>
+        <p:nvPicPr>
+          <p:cNvPr id="30" name="Picture 29">
+            <a:extLst>
+              <a:ext uri="{FF2B5EF4-FFF2-40B4-BE49-F238E27FC236}">
+                <a16:creationId xmlns:a16="http://schemas.microsoft.com/office/drawing/2014/main" id="{5561A2E7-ED3F-F4CE-38BC-70EE9AA9B066}"/>
+              </a:ext>
+            </a:extLst>
+          </p:cNvPr>
+          <p:cNvPicPr>
+            <a:picLocks noChangeAspect="1"/>
+          </p:cNvPicPr>
+          <p:nvPr/>
+        </p:nvPicPr>
+        <p:blipFill>
+          <a:blip r:embed="rId5"/>
           <a:srcRect/>
           <a:stretch/>
         </p:blipFill>
@@ -23108,7 +24403,7 @@
           <p:nvPr/>
         </p:nvPicPr>
         <p:blipFill>
-          <a:blip r:embed="rId2"/>
+          <a:blip r:embed="rId3"/>
           <a:stretch>
             <a:fillRect/>
           </a:stretch>
@@ -23129,35 +24424,6 @@
             <a:extLst>
               <a:ext uri="{FF2B5EF4-FFF2-40B4-BE49-F238E27FC236}">
                 <a16:creationId xmlns:a16="http://schemas.microsoft.com/office/drawing/2014/main" id="{963111B1-A02A-D7D2-A819-59E8DC6795D0}"/>
-              </a:ext>
-            </a:extLst>
-          </p:cNvPr>
-          <p:cNvPicPr>
-            <a:picLocks noChangeAspect="1"/>
-          </p:cNvPicPr>
-          <p:nvPr/>
-        </p:nvPicPr>
-        <p:blipFill>
-          <a:blip r:embed="rId3"/>
-          <a:srcRect/>
-          <a:stretch/>
-        </p:blipFill>
-        <p:spPr>
-          <a:xfrm>
-            <a:off x="5947034" y="1822888"/>
-            <a:ext cx="5673784" cy="4962241"/>
-          </a:xfrm>
-          <a:prstGeom prst="rect">
-            <a:avLst/>
-          </a:prstGeom>
-        </p:spPr>
-      </p:pic>
-      <p:pic>
-        <p:nvPicPr>
-          <p:cNvPr id="30" name="Picture 29">
-            <a:extLst>
-              <a:ext uri="{FF2B5EF4-FFF2-40B4-BE49-F238E27FC236}">
-                <a16:creationId xmlns:a16="http://schemas.microsoft.com/office/drawing/2014/main" id="{5561A2E7-ED3F-F4CE-38BC-70EE9AA9B066}"/>
               </a:ext>
             </a:extLst>
           </p:cNvPr>
@@ -23168,6 +24434,35 @@
         </p:nvPicPr>
         <p:blipFill>
           <a:blip r:embed="rId4"/>
+          <a:srcRect/>
+          <a:stretch/>
+        </p:blipFill>
+        <p:spPr>
+          <a:xfrm>
+            <a:off x="5947034" y="1822888"/>
+            <a:ext cx="5673784" cy="4962241"/>
+          </a:xfrm>
+          <a:prstGeom prst="rect">
+            <a:avLst/>
+          </a:prstGeom>
+        </p:spPr>
+      </p:pic>
+      <p:pic>
+        <p:nvPicPr>
+          <p:cNvPr id="30" name="Picture 29">
+            <a:extLst>
+              <a:ext uri="{FF2B5EF4-FFF2-40B4-BE49-F238E27FC236}">
+                <a16:creationId xmlns:a16="http://schemas.microsoft.com/office/drawing/2014/main" id="{5561A2E7-ED3F-F4CE-38BC-70EE9AA9B066}"/>
+              </a:ext>
+            </a:extLst>
+          </p:cNvPr>
+          <p:cNvPicPr>
+            <a:picLocks noChangeAspect="1"/>
+          </p:cNvPicPr>
+          <p:nvPr/>
+        </p:nvPicPr>
+        <p:blipFill>
+          <a:blip r:embed="rId5"/>
           <a:srcRect/>
           <a:stretch/>
         </p:blipFill>
@@ -23734,7 +25029,7 @@
           <p:nvPr/>
         </p:nvPicPr>
         <p:blipFill>
-          <a:blip r:embed="rId2"/>
+          <a:blip r:embed="rId3"/>
           <a:stretch>
             <a:fillRect/>
           </a:stretch>
@@ -23755,35 +25050,6 @@
             <a:extLst>
               <a:ext uri="{FF2B5EF4-FFF2-40B4-BE49-F238E27FC236}">
                 <a16:creationId xmlns:a16="http://schemas.microsoft.com/office/drawing/2014/main" id="{963111B1-A02A-D7D2-A819-59E8DC6795D0}"/>
-              </a:ext>
-            </a:extLst>
-          </p:cNvPr>
-          <p:cNvPicPr>
-            <a:picLocks noChangeAspect="1"/>
-          </p:cNvPicPr>
-          <p:nvPr/>
-        </p:nvPicPr>
-        <p:blipFill>
-          <a:blip r:embed="rId3"/>
-          <a:srcRect/>
-          <a:stretch/>
-        </p:blipFill>
-        <p:spPr>
-          <a:xfrm>
-            <a:off x="5947034" y="2008387"/>
-            <a:ext cx="5673784" cy="4591243"/>
-          </a:xfrm>
-          <a:prstGeom prst="rect">
-            <a:avLst/>
-          </a:prstGeom>
-        </p:spPr>
-      </p:pic>
-      <p:pic>
-        <p:nvPicPr>
-          <p:cNvPr id="30" name="Picture 29">
-            <a:extLst>
-              <a:ext uri="{FF2B5EF4-FFF2-40B4-BE49-F238E27FC236}">
-                <a16:creationId xmlns:a16="http://schemas.microsoft.com/office/drawing/2014/main" id="{5561A2E7-ED3F-F4CE-38BC-70EE9AA9B066}"/>
               </a:ext>
             </a:extLst>
           </p:cNvPr>
@@ -23794,6 +25060,35 @@
         </p:nvPicPr>
         <p:blipFill>
           <a:blip r:embed="rId4"/>
+          <a:srcRect/>
+          <a:stretch/>
+        </p:blipFill>
+        <p:spPr>
+          <a:xfrm>
+            <a:off x="5947034" y="2008387"/>
+            <a:ext cx="5673784" cy="4591243"/>
+          </a:xfrm>
+          <a:prstGeom prst="rect">
+            <a:avLst/>
+          </a:prstGeom>
+        </p:spPr>
+      </p:pic>
+      <p:pic>
+        <p:nvPicPr>
+          <p:cNvPr id="30" name="Picture 29">
+            <a:extLst>
+              <a:ext uri="{FF2B5EF4-FFF2-40B4-BE49-F238E27FC236}">
+                <a16:creationId xmlns:a16="http://schemas.microsoft.com/office/drawing/2014/main" id="{5561A2E7-ED3F-F4CE-38BC-70EE9AA9B066}"/>
+              </a:ext>
+            </a:extLst>
+          </p:cNvPr>
+          <p:cNvPicPr>
+            <a:picLocks noChangeAspect="1"/>
+          </p:cNvPicPr>
+          <p:nvPr/>
+        </p:nvPicPr>
+        <p:blipFill>
+          <a:blip r:embed="rId5"/>
           <a:srcRect/>
           <a:stretch/>
         </p:blipFill>
@@ -24166,7 +25461,7 @@
           <a:p>
             <a:r>
               <a:rPr lang="en-US" dirty="0"/>
-              <a:t>ERD and MYSQL</a:t>
+              <a:t>ERD and MYSQL ERD</a:t>
             </a:r>
           </a:p>
         </p:txBody>
@@ -24257,7 +25552,7 @@
           </p:nvPr>
         </p:nvPicPr>
         <p:blipFill rotWithShape="1">
-          <a:blip r:embed="rId2"/>
+          <a:blip r:embed="rId3"/>
           <a:srcRect l="3073" r="2398" b="4265"/>
           <a:stretch/>
         </p:blipFill>
@@ -24285,7 +25580,7 @@
           </p:nvPr>
         </p:nvPicPr>
         <p:blipFill>
-          <a:blip r:embed="rId3"/>
+          <a:blip r:embed="rId4"/>
           <a:stretch>
             <a:fillRect/>
           </a:stretch>
@@ -24346,7 +25641,7 @@
           <p:nvPr/>
         </p:nvPicPr>
         <p:blipFill>
-          <a:blip r:embed="rId4"/>
+          <a:blip r:embed="rId5"/>
           <a:stretch>
             <a:fillRect/>
           </a:stretch>
@@ -26033,6 +27328,15 @@
 </file>
 
 <file path=customXml/item1.xml><?xml version="1.0" encoding="utf-8"?>
+<?mso-contentType ?>
+<FormTemplates xmlns="http://schemas.microsoft.com/sharepoint/v3/contenttype/forms">
+  <Display>DocumentLibraryForm</Display>
+  <Edit>DocumentLibraryForm</Edit>
+  <New>DocumentLibraryForm</New>
+</FormTemplates>
+</file>
+
+<file path=customXml/item2.xml><?xml version="1.0" encoding="utf-8"?>
 <p:properties xmlns:p="http://schemas.microsoft.com/office/2006/metadata/properties" xmlns:xsi="http://www.w3.org/2001/XMLSchema-instance" xmlns:pc="http://schemas.microsoft.com/office/infopath/2007/PartnerControls">
   <documentManagement>
     <_ip_UnifiedCompliancePolicyUIAction xmlns="http://schemas.microsoft.com/sharepoint/v3" xsi:nil="true"/>
@@ -26049,15 +27353,6 @@
     <MediaServiceKeyPoints xmlns="71af3243-3dd4-4a8d-8c0d-dd76da1f02a5" xsi:nil="true"/>
   </documentManagement>
 </p:properties>
-</file>
-
-<file path=customXml/item2.xml><?xml version="1.0" encoding="utf-8"?>
-<?mso-contentType ?>
-<FormTemplates xmlns="http://schemas.microsoft.com/sharepoint/v3/contenttype/forms">
-  <Display>DocumentLibraryForm</Display>
-  <Edit>DocumentLibraryForm</Edit>
-  <New>DocumentLibraryForm</New>
-</FormTemplates>
 </file>
 
 <file path=customXml/item3.xml><?xml version="1.0" encoding="utf-8"?>
@@ -26337,6 +27632,14 @@
 </file>
 
 <file path=customXml/itemProps1.xml><?xml version="1.0" encoding="utf-8"?>
+<ds:datastoreItem xmlns:ds="http://schemas.openxmlformats.org/officeDocument/2006/customXml" ds:itemID="{42BC90D6-94CF-42F7-AAC4-9CF6824C54D5}">
+  <ds:schemaRefs>
+    <ds:schemaRef ds:uri="http://schemas.microsoft.com/sharepoint/v3/contenttype/forms"/>
+  </ds:schemaRefs>
+</ds:datastoreItem>
+</file>
+
+<file path=customXml/itemProps2.xml><?xml version="1.0" encoding="utf-8"?>
 <ds:datastoreItem xmlns:ds="http://schemas.openxmlformats.org/officeDocument/2006/customXml" ds:itemID="{7F97B18F-50BC-4F30-8373-93489E845F83}">
   <ds:schemaRefs>
     <ds:schemaRef ds:uri="http://schemas.microsoft.com/office/2006/metadata/properties"/>
@@ -26344,14 +27647,6 @@
     <ds:schemaRef ds:uri="http://schemas.microsoft.com/sharepoint/v3"/>
     <ds:schemaRef ds:uri="71af3243-3dd4-4a8d-8c0d-dd76da1f02a5"/>
     <ds:schemaRef ds:uri="230e9df3-be65-4c73-a93b-d1236ebd677e"/>
-  </ds:schemaRefs>
-</ds:datastoreItem>
-</file>
-
-<file path=customXml/itemProps2.xml><?xml version="1.0" encoding="utf-8"?>
-<ds:datastoreItem xmlns:ds="http://schemas.openxmlformats.org/officeDocument/2006/customXml" ds:itemID="{42BC90D6-94CF-42F7-AAC4-9CF6824C54D5}">
-  <ds:schemaRefs>
-    <ds:schemaRef ds:uri="http://schemas.microsoft.com/sharepoint/v3/contenttype/forms"/>
   </ds:schemaRefs>
 </ds:datastoreItem>
 </file>
